--- a/ppt 모음/NLP_시소러스_통계기반기법 - 이인규.pptx
+++ b/ppt 모음/NLP_시소러스_통계기반기법 - 이인규.pptx
@@ -275,7 +275,7 @@
           <a:p>
             <a:fld id="{57764B8E-7EC0-4B59-8DA5-E04CAE3DB5F2}" type="datetimeFigureOut">
               <a:rPr lang="ko-KR" altLang="en-US" smtClean="0"/>
-              <a:t>2022-10-03</a:t>
+              <a:t>2022-10-06</a:t>
             </a:fld>
             <a:endParaRPr lang="ko-KR" altLang="en-US"/>
           </a:p>
@@ -5108,7 +5108,9 @@
           </a:xfrm>
         </p:spPr>
         <p:txBody>
-          <a:bodyPr/>
+          <a:bodyPr>
+            <a:normAutofit/>
+          </a:bodyPr>
           <a:lstStyle/>
           <a:p>
             <a:r>
@@ -5161,27 +5163,27 @@
               <a:buNone/>
             </a:pPr>
             <a:r>
-              <a:rPr lang="ko-KR" altLang="en-US" dirty="0"/>
+              <a:rPr lang="ko-KR" altLang="en-US" strike="sngStrike" dirty="0"/>
               <a:t>아는 단어 </a:t>
             </a:r>
             <a:r>
-              <a:rPr lang="en-US" altLang="ko-KR" dirty="0"/>
+              <a:rPr lang="en-US" altLang="ko-KR" strike="sngStrike" dirty="0"/>
               <a:t>: beer(</a:t>
             </a:r>
             <a:r>
-              <a:rPr lang="ko-KR" altLang="en-US" dirty="0"/>
+              <a:rPr lang="ko-KR" altLang="en-US" strike="sngStrike" dirty="0"/>
               <a:t>술</a:t>
             </a:r>
             <a:r>
-              <a:rPr lang="en-US" altLang="ko-KR" dirty="0"/>
+              <a:rPr lang="en-US" altLang="ko-KR" strike="sngStrike" dirty="0"/>
               <a:t>), apple(</a:t>
             </a:r>
             <a:r>
-              <a:rPr lang="ko-KR" altLang="en-US" dirty="0"/>
+              <a:rPr lang="ko-KR" altLang="en-US" strike="sngStrike" dirty="0"/>
               <a:t>사과</a:t>
             </a:r>
             <a:r>
-              <a:rPr lang="en-US" altLang="ko-KR" dirty="0"/>
+              <a:rPr lang="en-US" altLang="ko-KR" strike="sngStrike" dirty="0"/>
               <a:t>)</a:t>
             </a:r>
           </a:p>
@@ -5190,27 +5192,27 @@
               <a:buNone/>
             </a:pPr>
             <a:r>
-              <a:rPr lang="ko-KR" altLang="en-US" dirty="0"/>
+              <a:rPr lang="ko-KR" altLang="en-US" strike="sngStrike" dirty="0"/>
               <a:t>모르는 단어 </a:t>
             </a:r>
             <a:r>
-              <a:rPr lang="en-US" altLang="ko-KR" dirty="0"/>
+              <a:rPr lang="en-US" altLang="ko-KR" strike="sngStrike" dirty="0"/>
               <a:t>: wine(</a:t>
             </a:r>
             <a:r>
-              <a:rPr lang="ko-KR" altLang="en-US" dirty="0"/>
+              <a:rPr lang="ko-KR" altLang="en-US" strike="sngStrike" dirty="0"/>
               <a:t>와인</a:t>
             </a:r>
             <a:r>
-              <a:rPr lang="en-US" altLang="ko-KR" dirty="0"/>
+              <a:rPr lang="en-US" altLang="ko-KR" strike="sngStrike" dirty="0"/>
               <a:t>), banana(</a:t>
             </a:r>
             <a:r>
-              <a:rPr lang="ko-KR" altLang="en-US" dirty="0"/>
+              <a:rPr lang="ko-KR" altLang="en-US" strike="sngStrike" dirty="0"/>
               <a:t>바나나</a:t>
             </a:r>
             <a:r>
-              <a:rPr lang="en-US" altLang="ko-KR" dirty="0"/>
+              <a:rPr lang="en-US" altLang="ko-KR" strike="sngStrike" dirty="0"/>
               <a:t>)</a:t>
             </a:r>
           </a:p>
@@ -7194,8 +7196,8 @@
           </a:p>
         </p:txBody>
       </p:sp>
-      <mc:AlternateContent xmlns:mc="http://schemas.openxmlformats.org/markup-compatibility/2006">
-        <mc:Choice xmlns:a14="http://schemas.microsoft.com/office/drawing/2010/main" Requires="a14">
+      <mc:AlternateContent xmlns:mc="http://schemas.openxmlformats.org/markup-compatibility/2006" xmlns:a14="http://schemas.microsoft.com/office/drawing/2010/main">
+        <mc:Choice Requires="a14">
           <p:sp>
             <p:nvSpPr>
               <p:cNvPr id="3" name="내용 개체 틀 2">
@@ -7591,7 +7593,7 @@
             </p:txBody>
           </p:sp>
         </mc:Choice>
-        <mc:Fallback>
+        <mc:Fallback xmlns="">
           <p:sp>
             <p:nvSpPr>
               <p:cNvPr id="3" name="내용 개체 틀 2">
